--- a/Final.pptx
+++ b/Final.pptx
@@ -9,15 +9,16 @@
     <p:sldId id="257" r:id="rId3"/>
     <p:sldId id="258" r:id="rId4"/>
     <p:sldId id="259" r:id="rId5"/>
-    <p:sldId id="281" r:id="rId6"/>
-    <p:sldId id="266" r:id="rId7"/>
-    <p:sldId id="267" r:id="rId8"/>
-    <p:sldId id="274" r:id="rId9"/>
-    <p:sldId id="275" r:id="rId10"/>
-    <p:sldId id="282" r:id="rId11"/>
-    <p:sldId id="283" r:id="rId12"/>
-    <p:sldId id="284" r:id="rId13"/>
-    <p:sldId id="279" r:id="rId14"/>
+    <p:sldId id="285" r:id="rId6"/>
+    <p:sldId id="281" r:id="rId7"/>
+    <p:sldId id="266" r:id="rId8"/>
+    <p:sldId id="267" r:id="rId9"/>
+    <p:sldId id="274" r:id="rId10"/>
+    <p:sldId id="275" r:id="rId11"/>
+    <p:sldId id="282" r:id="rId12"/>
+    <p:sldId id="283" r:id="rId13"/>
+    <p:sldId id="284" r:id="rId14"/>
+    <p:sldId id="279" r:id="rId15"/>
   </p:sldIdLst>
   <p:sldSz cx="12192000" cy="6858000"/>
   <p:notesSz cx="6858000" cy="9144000"/>
@@ -273,7 +274,7 @@
           <a:p>
             <a:fld id="{A2839AA7-FE39-4738-8879-6E89EB488C9A}" type="datetimeFigureOut">
               <a:rPr lang="es-EC" smtClean="0"/>
-              <a:t>26/6/2025</a:t>
+              <a:t>28/6/2025</a:t>
             </a:fld>
             <a:endParaRPr lang="es-EC"/>
           </a:p>
@@ -473,7 +474,7 @@
           <a:p>
             <a:fld id="{A2839AA7-FE39-4738-8879-6E89EB488C9A}" type="datetimeFigureOut">
               <a:rPr lang="es-EC" smtClean="0"/>
-              <a:t>26/6/2025</a:t>
+              <a:t>28/6/2025</a:t>
             </a:fld>
             <a:endParaRPr lang="es-EC"/>
           </a:p>
@@ -683,7 +684,7 @@
           <a:p>
             <a:fld id="{A2839AA7-FE39-4738-8879-6E89EB488C9A}" type="datetimeFigureOut">
               <a:rPr lang="es-EC" smtClean="0"/>
-              <a:t>26/6/2025</a:t>
+              <a:t>28/6/2025</a:t>
             </a:fld>
             <a:endParaRPr lang="es-EC"/>
           </a:p>
@@ -883,7 +884,7 @@
           <a:p>
             <a:fld id="{A2839AA7-FE39-4738-8879-6E89EB488C9A}" type="datetimeFigureOut">
               <a:rPr lang="es-EC" smtClean="0"/>
-              <a:t>26/6/2025</a:t>
+              <a:t>28/6/2025</a:t>
             </a:fld>
             <a:endParaRPr lang="es-EC"/>
           </a:p>
@@ -1159,7 +1160,7 @@
           <a:p>
             <a:fld id="{A2839AA7-FE39-4738-8879-6E89EB488C9A}" type="datetimeFigureOut">
               <a:rPr lang="es-EC" smtClean="0"/>
-              <a:t>26/6/2025</a:t>
+              <a:t>28/6/2025</a:t>
             </a:fld>
             <a:endParaRPr lang="es-EC"/>
           </a:p>
@@ -1427,7 +1428,7 @@
           <a:p>
             <a:fld id="{A2839AA7-FE39-4738-8879-6E89EB488C9A}" type="datetimeFigureOut">
               <a:rPr lang="es-EC" smtClean="0"/>
-              <a:t>26/6/2025</a:t>
+              <a:t>28/6/2025</a:t>
             </a:fld>
             <a:endParaRPr lang="es-EC"/>
           </a:p>
@@ -1842,7 +1843,7 @@
           <a:p>
             <a:fld id="{A2839AA7-FE39-4738-8879-6E89EB488C9A}" type="datetimeFigureOut">
               <a:rPr lang="es-EC" smtClean="0"/>
-              <a:t>26/6/2025</a:t>
+              <a:t>28/6/2025</a:t>
             </a:fld>
             <a:endParaRPr lang="es-EC"/>
           </a:p>
@@ -1984,7 +1985,7 @@
           <a:p>
             <a:fld id="{A2839AA7-FE39-4738-8879-6E89EB488C9A}" type="datetimeFigureOut">
               <a:rPr lang="es-EC" smtClean="0"/>
-              <a:t>26/6/2025</a:t>
+              <a:t>28/6/2025</a:t>
             </a:fld>
             <a:endParaRPr lang="es-EC"/>
           </a:p>
@@ -2097,7 +2098,7 @@
           <a:p>
             <a:fld id="{A2839AA7-FE39-4738-8879-6E89EB488C9A}" type="datetimeFigureOut">
               <a:rPr lang="es-EC" smtClean="0"/>
-              <a:t>26/6/2025</a:t>
+              <a:t>28/6/2025</a:t>
             </a:fld>
             <a:endParaRPr lang="es-EC"/>
           </a:p>
@@ -2410,7 +2411,7 @@
           <a:p>
             <a:fld id="{A2839AA7-FE39-4738-8879-6E89EB488C9A}" type="datetimeFigureOut">
               <a:rPr lang="es-EC" smtClean="0"/>
-              <a:t>26/6/2025</a:t>
+              <a:t>28/6/2025</a:t>
             </a:fld>
             <a:endParaRPr lang="es-EC"/>
           </a:p>
@@ -2699,7 +2700,7 @@
           <a:p>
             <a:fld id="{A2839AA7-FE39-4738-8879-6E89EB488C9A}" type="datetimeFigureOut">
               <a:rPr lang="es-EC" smtClean="0"/>
-              <a:t>26/6/2025</a:t>
+              <a:t>28/6/2025</a:t>
             </a:fld>
             <a:endParaRPr lang="es-EC"/>
           </a:p>
@@ -2942,7 +2943,7 @@
           <a:p>
             <a:fld id="{A2839AA7-FE39-4738-8879-6E89EB488C9A}" type="datetimeFigureOut">
               <a:rPr lang="es-EC" smtClean="0"/>
-              <a:t>26/6/2025</a:t>
+              <a:t>28/6/2025</a:t>
             </a:fld>
             <a:endParaRPr lang="es-EC"/>
           </a:p>
@@ -3566,6 +3567,102 @@
           <a:chExt cx="0" cy="0"/>
         </a:xfrm>
       </p:grpSpPr>
+      <p:pic>
+        <p:nvPicPr>
+          <p:cNvPr id="4" name="Imagen 3">
+            <a:extLst>
+              <a:ext uri="{FF2B5EF4-FFF2-40B4-BE49-F238E27FC236}">
+                <a16:creationId xmlns:a16="http://schemas.microsoft.com/office/drawing/2014/main" id="{8FD9DF0E-8190-ECAC-8E7F-2AF634492628}"/>
+              </a:ext>
+            </a:extLst>
+          </p:cNvPr>
+          <p:cNvPicPr>
+            <a:picLocks noChangeAspect="1"/>
+          </p:cNvPicPr>
+          <p:nvPr/>
+        </p:nvPicPr>
+        <p:blipFill>
+          <a:blip r:embed="rId2"/>
+          <a:stretch>
+            <a:fillRect/>
+          </a:stretch>
+        </p:blipFill>
+        <p:spPr>
+          <a:xfrm>
+            <a:off x="3197152" y="1698171"/>
+            <a:ext cx="7002762" cy="4855029"/>
+          </a:xfrm>
+          <a:prstGeom prst="rect">
+            <a:avLst/>
+          </a:prstGeom>
+        </p:spPr>
+      </p:pic>
+      <p:sp>
+        <p:nvSpPr>
+          <p:cNvPr id="5" name="Título 4">
+            <a:extLst>
+              <a:ext uri="{FF2B5EF4-FFF2-40B4-BE49-F238E27FC236}">
+                <a16:creationId xmlns:a16="http://schemas.microsoft.com/office/drawing/2014/main" id="{86D29E8E-E6A7-5E4E-14F9-47805599EB26}"/>
+              </a:ext>
+            </a:extLst>
+          </p:cNvPr>
+          <p:cNvSpPr>
+            <a:spLocks noGrp="1"/>
+          </p:cNvSpPr>
+          <p:nvPr>
+            <p:ph type="title"/>
+          </p:nvPr>
+        </p:nvSpPr>
+        <p:spPr>
+          <a:xfrm>
+            <a:off x="2855876" y="674915"/>
+            <a:ext cx="6183086" cy="734332"/>
+          </a:xfrm>
+        </p:spPr>
+        <p:txBody>
+          <a:bodyPr>
+            <a:noAutofit/>
+          </a:bodyPr>
+          <a:lstStyle/>
+          <a:p>
+            <a:pPr algn="ctr"/>
+            <a:r>
+              <a:rPr lang="es-EC" sz="3600" dirty="0"/>
+              <a:t>Rendimiento del modelo con características más importantes</a:t>
+            </a:r>
+          </a:p>
+        </p:txBody>
+      </p:sp>
+    </p:spTree>
+    <p:extLst>
+      <p:ext uri="{BB962C8B-B14F-4D97-AF65-F5344CB8AC3E}">
+        <p14:creationId xmlns:p14="http://schemas.microsoft.com/office/powerpoint/2010/main" val="4176729375"/>
+      </p:ext>
+    </p:extLst>
+  </p:cSld>
+  <p:clrMapOvr>
+    <a:masterClrMapping/>
+  </p:clrMapOvr>
+</p:sld>
+</file>
+
+<file path=ppt/slides/slide11.xml><?xml version="1.0" encoding="utf-8"?>
+<p:sld xmlns:a="http://schemas.openxmlformats.org/drawingml/2006/main" xmlns:r="http://schemas.openxmlformats.org/officeDocument/2006/relationships" xmlns:p="http://schemas.openxmlformats.org/presentationml/2006/main">
+  <p:cSld>
+    <p:spTree>
+      <p:nvGrpSpPr>
+        <p:cNvPr id="1" name=""/>
+        <p:cNvGrpSpPr/>
+        <p:nvPr/>
+      </p:nvGrpSpPr>
+      <p:grpSpPr>
+        <a:xfrm>
+          <a:off x="0" y="0"/>
+          <a:ext cx="0" cy="0"/>
+          <a:chOff x="0" y="0"/>
+          <a:chExt cx="0" cy="0"/>
+        </a:xfrm>
+      </p:grpSpPr>
       <p:sp>
         <p:nvSpPr>
           <p:cNvPr id="2" name="Título 1">
@@ -3803,7 +3900,7 @@
 </p:sld>
 </file>
 
-<file path=ppt/slides/slide11.xml><?xml version="1.0" encoding="utf-8"?>
+<file path=ppt/slides/slide12.xml><?xml version="1.0" encoding="utf-8"?>
 <p:sld xmlns:a="http://schemas.openxmlformats.org/drawingml/2006/main" xmlns:r="http://schemas.openxmlformats.org/officeDocument/2006/relationships" xmlns:p="http://schemas.openxmlformats.org/presentationml/2006/main">
   <p:cSld>
     <p:spTree>
@@ -4040,7 +4137,7 @@
 </p:sld>
 </file>
 
-<file path=ppt/slides/slide12.xml><?xml version="1.0" encoding="utf-8"?>
+<file path=ppt/slides/slide13.xml><?xml version="1.0" encoding="utf-8"?>
 <p:sld xmlns:a="http://schemas.openxmlformats.org/drawingml/2006/main" xmlns:r="http://schemas.openxmlformats.org/officeDocument/2006/relationships" xmlns:p="http://schemas.openxmlformats.org/presentationml/2006/main">
   <p:cSld>
     <p:spTree>
@@ -4133,7 +4230,7 @@
 </p:sld>
 </file>
 
-<file path=ppt/slides/slide13.xml><?xml version="1.0" encoding="utf-8"?>
+<file path=ppt/slides/slide14.xml><?xml version="1.0" encoding="utf-8"?>
 <p:sld xmlns:a="http://schemas.openxmlformats.org/drawingml/2006/main" xmlns:r="http://schemas.openxmlformats.org/officeDocument/2006/relationships" xmlns:p="http://schemas.openxmlformats.org/presentationml/2006/main">
   <p:cSld>
     <p:spTree>
@@ -4662,6 +4759,66 @@
 </file>
 
 <file path=ppt/slides/slide5.xml><?xml version="1.0" encoding="utf-8"?>
+<p:sld xmlns:a="http://schemas.openxmlformats.org/drawingml/2006/main" xmlns:r="http://schemas.openxmlformats.org/officeDocument/2006/relationships" xmlns:p="http://schemas.openxmlformats.org/presentationml/2006/main">
+  <p:cSld>
+    <p:spTree>
+      <p:nvGrpSpPr>
+        <p:cNvPr id="1" name=""/>
+        <p:cNvGrpSpPr/>
+        <p:nvPr/>
+      </p:nvGrpSpPr>
+      <p:grpSpPr>
+        <a:xfrm>
+          <a:off x="0" y="0"/>
+          <a:ext cx="0" cy="0"/>
+          <a:chOff x="0" y="0"/>
+          <a:chExt cx="0" cy="0"/>
+        </a:xfrm>
+      </p:grpSpPr>
+      <p:pic>
+        <p:nvPicPr>
+          <p:cNvPr id="5" name="Imagen 4">
+            <a:extLst>
+              <a:ext uri="{FF2B5EF4-FFF2-40B4-BE49-F238E27FC236}">
+                <a16:creationId xmlns:a16="http://schemas.microsoft.com/office/drawing/2014/main" id="{4C666137-30E0-CA3C-FEA2-791E52F30285}"/>
+              </a:ext>
+            </a:extLst>
+          </p:cNvPr>
+          <p:cNvPicPr>
+            <a:picLocks noChangeAspect="1"/>
+          </p:cNvPicPr>
+          <p:nvPr/>
+        </p:nvPicPr>
+        <p:blipFill>
+          <a:blip r:embed="rId2"/>
+          <a:stretch>
+            <a:fillRect/>
+          </a:stretch>
+        </p:blipFill>
+        <p:spPr>
+          <a:xfrm>
+            <a:off x="2353462" y="453070"/>
+            <a:ext cx="7485076" cy="5951859"/>
+          </a:xfrm>
+          <a:prstGeom prst="rect">
+            <a:avLst/>
+          </a:prstGeom>
+        </p:spPr>
+      </p:pic>
+    </p:spTree>
+    <p:extLst>
+      <p:ext uri="{BB962C8B-B14F-4D97-AF65-F5344CB8AC3E}">
+        <p14:creationId xmlns:p14="http://schemas.microsoft.com/office/powerpoint/2010/main" val="241950641"/>
+      </p:ext>
+    </p:extLst>
+  </p:cSld>
+  <p:clrMapOvr>
+    <a:masterClrMapping/>
+  </p:clrMapOvr>
+</p:sld>
+</file>
+
+<file path=ppt/slides/slide6.xml><?xml version="1.0" encoding="utf-8"?>
 <p:sld xmlns:a="http://schemas.openxmlformats.org/drawingml/2006/main" xmlns:r="http://schemas.openxmlformats.org/officeDocument/2006/relationships" xmlns:p="http://schemas.openxmlformats.org/presentationml/2006/main">
   <p:cSld>
     <p:spTree>
@@ -5148,7 +5305,7 @@
 </p:sld>
 </file>
 
-<file path=ppt/slides/slide6.xml><?xml version="1.0" encoding="utf-8"?>
+<file path=ppt/slides/slide7.xml><?xml version="1.0" encoding="utf-8"?>
 <p:sld xmlns:a="http://schemas.openxmlformats.org/drawingml/2006/main" xmlns:r="http://schemas.openxmlformats.org/officeDocument/2006/relationships" xmlns:p="http://schemas.openxmlformats.org/presentationml/2006/main">
   <p:cSld>
     <p:spTree>
@@ -6075,7 +6232,7 @@
 </p:sld>
 </file>
 
-<file path=ppt/slides/slide7.xml><?xml version="1.0" encoding="utf-8"?>
+<file path=ppt/slides/slide8.xml><?xml version="1.0" encoding="utf-8"?>
 <p:sld xmlns:a="http://schemas.openxmlformats.org/drawingml/2006/main" xmlns:r="http://schemas.openxmlformats.org/officeDocument/2006/relationships" xmlns:p="http://schemas.openxmlformats.org/presentationml/2006/main">
   <p:cSld>
     <p:spTree>
@@ -6162,257 +6319,6 @@
     <p:extLst>
       <p:ext uri="{BB962C8B-B14F-4D97-AF65-F5344CB8AC3E}">
         <p14:creationId xmlns:p14="http://schemas.microsoft.com/office/powerpoint/2010/main" val="2868451789"/>
-      </p:ext>
-    </p:extLst>
-  </p:cSld>
-  <p:clrMapOvr>
-    <a:masterClrMapping/>
-  </p:clrMapOvr>
-</p:sld>
-</file>
-
-<file path=ppt/slides/slide8.xml><?xml version="1.0" encoding="utf-8"?>
-<p:sld xmlns:a="http://schemas.openxmlformats.org/drawingml/2006/main" xmlns:r="http://schemas.openxmlformats.org/officeDocument/2006/relationships" xmlns:p="http://schemas.openxmlformats.org/presentationml/2006/main">
-  <p:cSld>
-    <p:spTree>
-      <p:nvGrpSpPr>
-        <p:cNvPr id="1" name=""/>
-        <p:cNvGrpSpPr/>
-        <p:nvPr/>
-      </p:nvGrpSpPr>
-      <p:grpSpPr>
-        <a:xfrm>
-          <a:off x="0" y="0"/>
-          <a:ext cx="0" cy="0"/>
-          <a:chOff x="0" y="0"/>
-          <a:chExt cx="0" cy="0"/>
-        </a:xfrm>
-      </p:grpSpPr>
-      <p:sp>
-        <p:nvSpPr>
-          <p:cNvPr id="2" name="Título 1">
-            <a:extLst>
-              <a:ext uri="{FF2B5EF4-FFF2-40B4-BE49-F238E27FC236}">
-                <a16:creationId xmlns:a16="http://schemas.microsoft.com/office/drawing/2014/main" id="{CC861992-0C06-B2F9-C2D6-686DD96323B3}"/>
-              </a:ext>
-            </a:extLst>
-          </p:cNvPr>
-          <p:cNvSpPr>
-            <a:spLocks noGrp="1"/>
-          </p:cNvSpPr>
-          <p:nvPr>
-            <p:ph type="title"/>
-          </p:nvPr>
-        </p:nvSpPr>
-        <p:spPr>
-          <a:xfrm>
-            <a:off x="1894114" y="354240"/>
-            <a:ext cx="8403771" cy="571046"/>
-          </a:xfrm>
-        </p:spPr>
-        <p:txBody>
-          <a:bodyPr>
-            <a:normAutofit fontScale="90000"/>
-          </a:bodyPr>
-          <a:lstStyle/>
-          <a:p>
-            <a:pPr algn="ctr"/>
-            <a:r>
-              <a:rPr lang="es-EC" dirty="0"/>
-              <a:t>Importancia de características</a:t>
-            </a:r>
-          </a:p>
-        </p:txBody>
-      </p:sp>
-      <p:pic>
-        <p:nvPicPr>
-          <p:cNvPr id="4" name="Imagen 3">
-            <a:extLst>
-              <a:ext uri="{FF2B5EF4-FFF2-40B4-BE49-F238E27FC236}">
-                <a16:creationId xmlns:a16="http://schemas.microsoft.com/office/drawing/2014/main" id="{E272C042-08B1-0B0C-E6F9-5B84D34D6BD0}"/>
-              </a:ext>
-            </a:extLst>
-          </p:cNvPr>
-          <p:cNvPicPr>
-            <a:picLocks noChangeAspect="1"/>
-          </p:cNvPicPr>
-          <p:nvPr/>
-        </p:nvPicPr>
-        <p:blipFill>
-          <a:blip r:embed="rId2"/>
-          <a:stretch>
-            <a:fillRect/>
-          </a:stretch>
-        </p:blipFill>
-        <p:spPr>
-          <a:xfrm>
-            <a:off x="148611" y="1037776"/>
-            <a:ext cx="7286332" cy="5820224"/>
-          </a:xfrm>
-          <a:prstGeom prst="rect">
-            <a:avLst/>
-          </a:prstGeom>
-        </p:spPr>
-      </p:pic>
-      <p:sp>
-        <p:nvSpPr>
-          <p:cNvPr id="5" name="CuadroTexto 4">
-            <a:extLst>
-              <a:ext uri="{FF2B5EF4-FFF2-40B4-BE49-F238E27FC236}">
-                <a16:creationId xmlns:a16="http://schemas.microsoft.com/office/drawing/2014/main" id="{092D6F56-33F3-844C-06BC-C08B974AF676}"/>
-              </a:ext>
-            </a:extLst>
-          </p:cNvPr>
-          <p:cNvSpPr txBox="1"/>
-          <p:nvPr/>
-        </p:nvSpPr>
-        <p:spPr>
-          <a:xfrm>
-            <a:off x="7358744" y="1270232"/>
-            <a:ext cx="4474027" cy="5632311"/>
-          </a:xfrm>
-          <a:prstGeom prst="rect">
-            <a:avLst/>
-          </a:prstGeom>
-          <a:noFill/>
-        </p:spPr>
-        <p:txBody>
-          <a:bodyPr wrap="square" rtlCol="0">
-            <a:spAutoFit/>
-          </a:bodyPr>
-          <a:lstStyle/>
-          <a:p>
-            <a:r>
-              <a:rPr lang="es-EC" dirty="0"/>
-              <a:t>1. </a:t>
-            </a:r>
-            <a:r>
-              <a:rPr lang="es-EC" b="1" dirty="0" err="1"/>
-              <a:t>TotalCharges</a:t>
-            </a:r>
-            <a:r>
-              <a:rPr lang="es-EC" b="1" dirty="0"/>
-              <a:t>:</a:t>
-            </a:r>
-            <a:r>
-              <a:rPr lang="es-EC" dirty="0"/>
-              <a:t> Es un fuerte indicador de la duración y valor del cliente.  </a:t>
-            </a:r>
-          </a:p>
-          <a:p>
-            <a:r>
-              <a:rPr lang="es-EC" dirty="0"/>
-              <a:t>2. </a:t>
-            </a:r>
-            <a:r>
-              <a:rPr lang="es-EC" b="1" dirty="0" err="1"/>
-              <a:t>tenure</a:t>
-            </a:r>
-            <a:r>
-              <a:rPr lang="es-EC" b="1" dirty="0"/>
-              <a:t>:</a:t>
-            </a:r>
-            <a:r>
-              <a:rPr lang="es-EC" dirty="0"/>
-              <a:t> Los clientes con menor </a:t>
-            </a:r>
-            <a:r>
-              <a:rPr lang="es-EC" dirty="0" err="1"/>
-              <a:t>tenure</a:t>
-            </a:r>
-            <a:r>
-              <a:rPr lang="es-EC" dirty="0"/>
-              <a:t> tienen mayor probabilidad de abandonar el servicio.  </a:t>
-            </a:r>
-          </a:p>
-          <a:p>
-            <a:r>
-              <a:rPr lang="es-EC" dirty="0"/>
-              <a:t>3. </a:t>
-            </a:r>
-            <a:r>
-              <a:rPr lang="es-EC" b="1" dirty="0" err="1"/>
-              <a:t>MonthlyCharges</a:t>
-            </a:r>
-            <a:r>
-              <a:rPr lang="es-EC" b="1" dirty="0"/>
-              <a:t>:</a:t>
-            </a:r>
-            <a:r>
-              <a:rPr lang="es-EC" dirty="0"/>
-              <a:t> Se relaciona con la percepción de valor o costo del servicio.  </a:t>
-            </a:r>
-          </a:p>
-          <a:p>
-            <a:r>
-              <a:rPr lang="es-EC" dirty="0"/>
-              <a:t>4. </a:t>
-            </a:r>
-            <a:r>
-              <a:rPr lang="es-EC" b="1" dirty="0" err="1"/>
-              <a:t>Contract_Month-to-month</a:t>
-            </a:r>
-            <a:r>
-              <a:rPr lang="es-EC" b="1" dirty="0"/>
-              <a:t>:</a:t>
-            </a:r>
-            <a:r>
-              <a:rPr lang="es-EC" dirty="0"/>
-              <a:t> Esta modalidad suele tener mayor abandono, ya que no implica compromiso a largo plazo.  </a:t>
-            </a:r>
-          </a:p>
-          <a:p>
-            <a:r>
-              <a:rPr lang="es-EC" dirty="0"/>
-              <a:t>5. </a:t>
-            </a:r>
-            <a:r>
-              <a:rPr lang="es-EC" b="1" dirty="0" err="1"/>
-              <a:t>OnlineSecurity_No</a:t>
-            </a:r>
-            <a:r>
-              <a:rPr lang="es-EC" b="1" dirty="0"/>
-              <a:t>:</a:t>
-            </a:r>
-            <a:r>
-              <a:rPr lang="es-EC" dirty="0"/>
-              <a:t> La falta de servicios de valor agregado puede aumentar la insatisfacción.</a:t>
-            </a:r>
-          </a:p>
-          <a:p>
-            <a:br>
-              <a:rPr lang="es-EC" dirty="0"/>
-            </a:br>
-            <a:r>
-              <a:rPr lang="es-EC" dirty="0"/>
-              <a:t>Estas variables no solo presentan </a:t>
-            </a:r>
-            <a:r>
-              <a:rPr lang="es-EC" b="1" dirty="0"/>
-              <a:t>los puntajes de importancia más altos</a:t>
-            </a:r>
-            <a:r>
-              <a:rPr lang="es-EC" dirty="0"/>
-              <a:t>, sino que además tienen un </a:t>
-            </a:r>
-            <a:r>
-              <a:rPr lang="es-EC" b="1" dirty="0"/>
-              <a:t>claro significado interpretativo</a:t>
-            </a:r>
-            <a:r>
-              <a:rPr lang="es-EC" dirty="0"/>
-              <a:t> en el contexto del problema de abandono.</a:t>
-            </a:r>
-          </a:p>
-          <a:p>
-            <a:endParaRPr lang="es-EC" dirty="0"/>
-          </a:p>
-        </p:txBody>
-      </p:sp>
-    </p:spTree>
-    <p:extLst>
-      <p:ext uri="{BB962C8B-B14F-4D97-AF65-F5344CB8AC3E}">
-        <p14:creationId xmlns:p14="http://schemas.microsoft.com/office/powerpoint/2010/main" val="1082841695"/>
       </p:ext>
     </p:extLst>
   </p:cSld>
@@ -6439,12 +6345,48 @@
           <a:chExt cx="0" cy="0"/>
         </a:xfrm>
       </p:grpSpPr>
+      <p:sp>
+        <p:nvSpPr>
+          <p:cNvPr id="2" name="Título 1">
+            <a:extLst>
+              <a:ext uri="{FF2B5EF4-FFF2-40B4-BE49-F238E27FC236}">
+                <a16:creationId xmlns:a16="http://schemas.microsoft.com/office/drawing/2014/main" id="{CC861992-0C06-B2F9-C2D6-686DD96323B3}"/>
+              </a:ext>
+            </a:extLst>
+          </p:cNvPr>
+          <p:cNvSpPr>
+            <a:spLocks noGrp="1"/>
+          </p:cNvSpPr>
+          <p:nvPr>
+            <p:ph type="title"/>
+          </p:nvPr>
+        </p:nvSpPr>
+        <p:spPr>
+          <a:xfrm>
+            <a:off x="1894114" y="354240"/>
+            <a:ext cx="8403771" cy="571046"/>
+          </a:xfrm>
+        </p:spPr>
+        <p:txBody>
+          <a:bodyPr>
+            <a:normAutofit fontScale="90000"/>
+          </a:bodyPr>
+          <a:lstStyle/>
+          <a:p>
+            <a:pPr algn="ctr"/>
+            <a:r>
+              <a:rPr lang="es-EC" dirty="0"/>
+              <a:t>Importancia de características</a:t>
+            </a:r>
+          </a:p>
+        </p:txBody>
+      </p:sp>
       <p:pic>
         <p:nvPicPr>
           <p:cNvPr id="4" name="Imagen 3">
             <a:extLst>
               <a:ext uri="{FF2B5EF4-FFF2-40B4-BE49-F238E27FC236}">
-                <a16:creationId xmlns:a16="http://schemas.microsoft.com/office/drawing/2014/main" id="{8FD9DF0E-8190-ECAC-8E7F-2AF634492628}"/>
+                <a16:creationId xmlns:a16="http://schemas.microsoft.com/office/drawing/2014/main" id="{E272C042-08B1-0B0C-E6F9-5B84D34D6BD0}"/>
               </a:ext>
             </a:extLst>
           </p:cNvPr>
@@ -6461,8 +6403,8 @@
         </p:blipFill>
         <p:spPr>
           <a:xfrm>
-            <a:off x="3197152" y="1698171"/>
-            <a:ext cx="7002762" cy="4855029"/>
+            <a:off x="148611" y="1037776"/>
+            <a:ext cx="7286332" cy="5820224"/>
           </a:xfrm>
           <a:prstGeom prst="rect">
             <a:avLst/>
@@ -6471,44 +6413,163 @@
       </p:pic>
       <p:sp>
         <p:nvSpPr>
-          <p:cNvPr id="5" name="Título 4">
-            <a:extLst>
-              <a:ext uri="{FF2B5EF4-FFF2-40B4-BE49-F238E27FC236}">
-                <a16:creationId xmlns:a16="http://schemas.microsoft.com/office/drawing/2014/main" id="{86D29E8E-E6A7-5E4E-14F9-47805599EB26}"/>
-              </a:ext>
-            </a:extLst>
-          </p:cNvPr>
-          <p:cNvSpPr>
-            <a:spLocks noGrp="1"/>
-          </p:cNvSpPr>
-          <p:nvPr>
-            <p:ph type="title"/>
-          </p:nvPr>
+          <p:cNvPr id="5" name="CuadroTexto 4">
+            <a:extLst>
+              <a:ext uri="{FF2B5EF4-FFF2-40B4-BE49-F238E27FC236}">
+                <a16:creationId xmlns:a16="http://schemas.microsoft.com/office/drawing/2014/main" id="{092D6F56-33F3-844C-06BC-C08B974AF676}"/>
+              </a:ext>
+            </a:extLst>
+          </p:cNvPr>
+          <p:cNvSpPr txBox="1"/>
+          <p:nvPr/>
         </p:nvSpPr>
         <p:spPr>
           <a:xfrm>
-            <a:off x="2855876" y="674915"/>
-            <a:ext cx="6183086" cy="734332"/>
+            <a:off x="7358744" y="1270232"/>
+            <a:ext cx="4474027" cy="5632311"/>
           </a:xfrm>
+          <a:prstGeom prst="rect">
+            <a:avLst/>
+          </a:prstGeom>
+          <a:noFill/>
         </p:spPr>
         <p:txBody>
-          <a:bodyPr>
-            <a:noAutofit/>
+          <a:bodyPr wrap="square" rtlCol="0">
+            <a:spAutoFit/>
           </a:bodyPr>
           <a:lstStyle/>
           <a:p>
-            <a:pPr algn="ctr"/>
-            <a:r>
-              <a:rPr lang="es-EC" sz="3600" dirty="0"/>
-              <a:t>Rendimiento del modelo con características más importantes</a:t>
-            </a:r>
+            <a:r>
+              <a:rPr lang="es-EC" dirty="0"/>
+              <a:t>1. </a:t>
+            </a:r>
+            <a:r>
+              <a:rPr lang="es-EC" b="1" dirty="0" err="1"/>
+              <a:t>TotalCharges</a:t>
+            </a:r>
+            <a:r>
+              <a:rPr lang="es-EC" b="1" dirty="0"/>
+              <a:t>:</a:t>
+            </a:r>
+            <a:r>
+              <a:rPr lang="es-EC" dirty="0"/>
+              <a:t> Es un fuerte indicador de la duración y valor del cliente.  </a:t>
+            </a:r>
+          </a:p>
+          <a:p>
+            <a:r>
+              <a:rPr lang="es-EC" dirty="0"/>
+              <a:t>2. </a:t>
+            </a:r>
+            <a:r>
+              <a:rPr lang="es-EC" b="1" dirty="0" err="1"/>
+              <a:t>tenure</a:t>
+            </a:r>
+            <a:r>
+              <a:rPr lang="es-EC" b="1" dirty="0"/>
+              <a:t>:</a:t>
+            </a:r>
+            <a:r>
+              <a:rPr lang="es-EC" dirty="0"/>
+              <a:t> Los clientes con menor </a:t>
+            </a:r>
+            <a:r>
+              <a:rPr lang="es-EC" dirty="0" err="1"/>
+              <a:t>tenure</a:t>
+            </a:r>
+            <a:r>
+              <a:rPr lang="es-EC" dirty="0"/>
+              <a:t> tienen mayor probabilidad de abandonar el servicio.  </a:t>
+            </a:r>
+          </a:p>
+          <a:p>
+            <a:r>
+              <a:rPr lang="es-EC" dirty="0"/>
+              <a:t>3. </a:t>
+            </a:r>
+            <a:r>
+              <a:rPr lang="es-EC" b="1" dirty="0" err="1"/>
+              <a:t>MonthlyCharges</a:t>
+            </a:r>
+            <a:r>
+              <a:rPr lang="es-EC" b="1" dirty="0"/>
+              <a:t>:</a:t>
+            </a:r>
+            <a:r>
+              <a:rPr lang="es-EC" dirty="0"/>
+              <a:t> Se relaciona con la percepción de valor o costo del servicio.  </a:t>
+            </a:r>
+          </a:p>
+          <a:p>
+            <a:r>
+              <a:rPr lang="es-EC" dirty="0"/>
+              <a:t>4. </a:t>
+            </a:r>
+            <a:r>
+              <a:rPr lang="es-EC" b="1" dirty="0" err="1"/>
+              <a:t>Contract_Month-to-month</a:t>
+            </a:r>
+            <a:r>
+              <a:rPr lang="es-EC" b="1" dirty="0"/>
+              <a:t>:</a:t>
+            </a:r>
+            <a:r>
+              <a:rPr lang="es-EC" dirty="0"/>
+              <a:t> Esta modalidad suele tener mayor abandono, ya que no implica compromiso a largo plazo.  </a:t>
+            </a:r>
+          </a:p>
+          <a:p>
+            <a:r>
+              <a:rPr lang="es-EC" dirty="0"/>
+              <a:t>5. </a:t>
+            </a:r>
+            <a:r>
+              <a:rPr lang="es-EC" b="1" dirty="0" err="1"/>
+              <a:t>OnlineSecurity_No</a:t>
+            </a:r>
+            <a:r>
+              <a:rPr lang="es-EC" b="1" dirty="0"/>
+              <a:t>:</a:t>
+            </a:r>
+            <a:r>
+              <a:rPr lang="es-EC" dirty="0"/>
+              <a:t> La falta de servicios de valor agregado puede aumentar la insatisfacción.</a:t>
+            </a:r>
+          </a:p>
+          <a:p>
+            <a:br>
+              <a:rPr lang="es-EC" dirty="0"/>
+            </a:br>
+            <a:r>
+              <a:rPr lang="es-EC" dirty="0"/>
+              <a:t>Estas variables no solo presentan </a:t>
+            </a:r>
+            <a:r>
+              <a:rPr lang="es-EC" b="1" dirty="0"/>
+              <a:t>los puntajes de importancia más altos</a:t>
+            </a:r>
+            <a:r>
+              <a:rPr lang="es-EC" dirty="0"/>
+              <a:t>, sino que además tienen un </a:t>
+            </a:r>
+            <a:r>
+              <a:rPr lang="es-EC" b="1" dirty="0"/>
+              <a:t>claro significado interpretativo</a:t>
+            </a:r>
+            <a:r>
+              <a:rPr lang="es-EC" dirty="0"/>
+              <a:t> en el contexto del problema de abandono.</a:t>
+            </a:r>
+          </a:p>
+          <a:p>
+            <a:endParaRPr lang="es-EC" dirty="0"/>
           </a:p>
         </p:txBody>
       </p:sp>
     </p:spTree>
     <p:extLst>
       <p:ext uri="{BB962C8B-B14F-4D97-AF65-F5344CB8AC3E}">
-        <p14:creationId xmlns:p14="http://schemas.microsoft.com/office/powerpoint/2010/main" val="4176729375"/>
+        <p14:creationId xmlns:p14="http://schemas.microsoft.com/office/powerpoint/2010/main" val="1082841695"/>
       </p:ext>
     </p:extLst>
   </p:cSld>

--- a/Final.pptx
+++ b/Final.pptx
@@ -15,10 +15,14 @@
     <p:sldId id="267" r:id="rId9"/>
     <p:sldId id="274" r:id="rId10"/>
     <p:sldId id="275" r:id="rId11"/>
-    <p:sldId id="282" r:id="rId12"/>
-    <p:sldId id="283" r:id="rId13"/>
-    <p:sldId id="284" r:id="rId14"/>
-    <p:sldId id="279" r:id="rId15"/>
+    <p:sldId id="286" r:id="rId12"/>
+    <p:sldId id="287" r:id="rId13"/>
+    <p:sldId id="288" r:id="rId14"/>
+    <p:sldId id="289" r:id="rId15"/>
+    <p:sldId id="282" r:id="rId16"/>
+    <p:sldId id="283" r:id="rId17"/>
+    <p:sldId id="284" r:id="rId18"/>
+    <p:sldId id="279" r:id="rId19"/>
   </p:sldIdLst>
   <p:sldSz cx="12192000" cy="6858000"/>
   <p:notesSz cx="6858000" cy="9144000"/>
@@ -3668,6 +3672,453 @@
           <p:cNvPr id="2" name="Título 1">
             <a:extLst>
               <a:ext uri="{FF2B5EF4-FFF2-40B4-BE49-F238E27FC236}">
+                <a16:creationId xmlns:a16="http://schemas.microsoft.com/office/drawing/2014/main" id="{B9AAF090-64E2-49A3-FD80-9D0B5DB6DC08}"/>
+              </a:ext>
+            </a:extLst>
+          </p:cNvPr>
+          <p:cNvSpPr>
+            <a:spLocks noGrp="1"/>
+          </p:cNvSpPr>
+          <p:nvPr>
+            <p:ph type="title"/>
+          </p:nvPr>
+        </p:nvSpPr>
+        <p:spPr>
+          <a:xfrm>
+            <a:off x="3015343" y="365126"/>
+            <a:ext cx="6836228" cy="516618"/>
+          </a:xfrm>
+        </p:spPr>
+        <p:txBody>
+          <a:bodyPr>
+            <a:normAutofit fontScale="90000"/>
+          </a:bodyPr>
+          <a:lstStyle/>
+          <a:p>
+            <a:r>
+              <a:rPr lang="en-US" dirty="0"/>
+              <a:t>ESTRUCTURA DEL PROYECTO</a:t>
+            </a:r>
+            <a:endParaRPr lang="es-EC" dirty="0"/>
+          </a:p>
+        </p:txBody>
+      </p:sp>
+      <p:pic>
+        <p:nvPicPr>
+          <p:cNvPr id="4" name="Imagen 3">
+            <a:extLst>
+              <a:ext uri="{FF2B5EF4-FFF2-40B4-BE49-F238E27FC236}">
+                <a16:creationId xmlns:a16="http://schemas.microsoft.com/office/drawing/2014/main" id="{A060E51F-07C1-CB48-78D4-A699A0048FD9}"/>
+              </a:ext>
+            </a:extLst>
+          </p:cNvPr>
+          <p:cNvPicPr>
+            <a:picLocks noChangeAspect="1"/>
+          </p:cNvPicPr>
+          <p:nvPr/>
+        </p:nvPicPr>
+        <p:blipFill>
+          <a:blip r:embed="rId2"/>
+          <a:stretch>
+            <a:fillRect/>
+          </a:stretch>
+        </p:blipFill>
+        <p:spPr>
+          <a:xfrm>
+            <a:off x="4778829" y="1168640"/>
+            <a:ext cx="2927142" cy="5324234"/>
+          </a:xfrm>
+          <a:prstGeom prst="rect">
+            <a:avLst/>
+          </a:prstGeom>
+        </p:spPr>
+      </p:pic>
+    </p:spTree>
+    <p:extLst>
+      <p:ext uri="{BB962C8B-B14F-4D97-AF65-F5344CB8AC3E}">
+        <p14:creationId xmlns:p14="http://schemas.microsoft.com/office/powerpoint/2010/main" val="509257508"/>
+      </p:ext>
+    </p:extLst>
+  </p:cSld>
+  <p:clrMapOvr>
+    <a:masterClrMapping/>
+  </p:clrMapOvr>
+</p:sld>
+</file>
+
+<file path=ppt/slides/slide12.xml><?xml version="1.0" encoding="utf-8"?>
+<p:sld xmlns:a="http://schemas.openxmlformats.org/drawingml/2006/main" xmlns:r="http://schemas.openxmlformats.org/officeDocument/2006/relationships" xmlns:p="http://schemas.openxmlformats.org/presentationml/2006/main">
+  <p:cSld>
+    <p:spTree>
+      <p:nvGrpSpPr>
+        <p:cNvPr id="1" name=""/>
+        <p:cNvGrpSpPr/>
+        <p:nvPr/>
+      </p:nvGrpSpPr>
+      <p:grpSpPr>
+        <a:xfrm>
+          <a:off x="0" y="0"/>
+          <a:ext cx="0" cy="0"/>
+          <a:chOff x="0" y="0"/>
+          <a:chExt cx="0" cy="0"/>
+        </a:xfrm>
+      </p:grpSpPr>
+      <p:sp>
+        <p:nvSpPr>
+          <p:cNvPr id="2" name="Título 1">
+            <a:extLst>
+              <a:ext uri="{FF2B5EF4-FFF2-40B4-BE49-F238E27FC236}">
+                <a16:creationId xmlns:a16="http://schemas.microsoft.com/office/drawing/2014/main" id="{7649D659-BAA2-1B79-A3FA-C01BA5F68067}"/>
+              </a:ext>
+            </a:extLst>
+          </p:cNvPr>
+          <p:cNvSpPr>
+            <a:spLocks noGrp="1"/>
+          </p:cNvSpPr>
+          <p:nvPr>
+            <p:ph type="title"/>
+          </p:nvPr>
+        </p:nvSpPr>
+        <p:spPr/>
+        <p:txBody>
+          <a:bodyPr/>
+          <a:lstStyle/>
+          <a:p>
+            <a:r>
+              <a:rPr lang="en-US" dirty="0" err="1"/>
+              <a:t>Cómo</a:t>
+            </a:r>
+            <a:r>
+              <a:rPr lang="en-US" dirty="0"/>
+              <a:t> </a:t>
+            </a:r>
+            <a:r>
+              <a:rPr lang="en-US" dirty="0" err="1"/>
+              <a:t>ejecutar</a:t>
+            </a:r>
+            <a:r>
+              <a:rPr lang="en-US" dirty="0"/>
+              <a:t> la app </a:t>
+            </a:r>
+            <a:r>
+              <a:rPr lang="en-US" dirty="0" err="1"/>
+              <a:t>localmente</a:t>
+            </a:r>
+            <a:endParaRPr lang="es-EC" dirty="0"/>
+          </a:p>
+        </p:txBody>
+      </p:sp>
+      <p:sp>
+        <p:nvSpPr>
+          <p:cNvPr id="4" name="Marcador de contenido 3">
+            <a:extLst>
+              <a:ext uri="{FF2B5EF4-FFF2-40B4-BE49-F238E27FC236}">
+                <a16:creationId xmlns:a16="http://schemas.microsoft.com/office/drawing/2014/main" id="{0B9A3C80-EA58-63B3-D8EF-EE940BFB13C9}"/>
+              </a:ext>
+            </a:extLst>
+          </p:cNvPr>
+          <p:cNvSpPr>
+            <a:spLocks noGrp="1"/>
+          </p:cNvSpPr>
+          <p:nvPr>
+            <p:ph idx="1"/>
+          </p:nvPr>
+        </p:nvSpPr>
+        <p:spPr/>
+        <p:txBody>
+          <a:bodyPr/>
+          <a:lstStyle/>
+          <a:p>
+            <a:pPr marL="514350" indent="-514350">
+              <a:buFont typeface="+mj-lt"/>
+              <a:buAutoNum type="arabicPeriod"/>
+            </a:pPr>
+            <a:r>
+              <a:rPr lang="es-EC" dirty="0"/>
+              <a:t>Clonar el repositorio </a:t>
+            </a:r>
+            <a:r>
+              <a:rPr lang="es-EC" dirty="0">
+                <a:hlinkClick r:id="rId2"/>
+              </a:rPr>
+              <a:t>https:</a:t>
+            </a:r>
+            <a:r>
+              <a:rPr lang="en-US" dirty="0">
+                <a:hlinkClick r:id="rId2"/>
+              </a:rPr>
+              <a:t>//github.com/</a:t>
+            </a:r>
+            <a:r>
+              <a:rPr lang="en-US" dirty="0" err="1">
+                <a:hlinkClick r:id="rId2"/>
+              </a:rPr>
+              <a:t>ByronVelasco</a:t>
+            </a:r>
+            <a:r>
+              <a:rPr lang="en-US" dirty="0">
+                <a:hlinkClick r:id="rId2"/>
+              </a:rPr>
+              <a:t>/</a:t>
+            </a:r>
+            <a:r>
+              <a:rPr lang="en-US" dirty="0" err="1">
+                <a:hlinkClick r:id="rId2"/>
+              </a:rPr>
+              <a:t>StreamlitApp.git</a:t>
+            </a:r>
+            <a:endParaRPr lang="en-US" dirty="0"/>
+          </a:p>
+          <a:p>
+            <a:pPr marL="514350" indent="-514350">
+              <a:buFont typeface="+mj-lt"/>
+              <a:buAutoNum type="arabicPeriod"/>
+            </a:pPr>
+            <a:r>
+              <a:rPr lang="es-EC" dirty="0"/>
+              <a:t>Cambiar la dirección a                                                             </a:t>
+            </a:r>
+            <a:r>
+              <a:rPr lang="es-EC" dirty="0" err="1"/>
+              <a:t>StreamlitApp</a:t>
+            </a:r>
+            <a:endParaRPr lang="es-EC" dirty="0"/>
+          </a:p>
+          <a:p>
+            <a:pPr marL="514350" indent="-514350">
+              <a:buFont typeface="+mj-lt"/>
+              <a:buAutoNum type="arabicPeriod"/>
+            </a:pPr>
+            <a:r>
+              <a:rPr lang="es-EC" dirty="0"/>
+              <a:t>Instalar los paquetes necesarios ubicados en requirements.txt</a:t>
+            </a:r>
+          </a:p>
+          <a:p>
+            <a:pPr marL="514350" indent="-514350">
+              <a:buFont typeface="+mj-lt"/>
+              <a:buAutoNum type="arabicPeriod"/>
+            </a:pPr>
+            <a:r>
+              <a:rPr lang="es-EC" dirty="0"/>
+              <a:t>Ejecutar el archivo principal main.py</a:t>
+            </a:r>
+          </a:p>
+        </p:txBody>
+      </p:sp>
+    </p:spTree>
+    <p:extLst>
+      <p:ext uri="{BB962C8B-B14F-4D97-AF65-F5344CB8AC3E}">
+        <p14:creationId xmlns:p14="http://schemas.microsoft.com/office/powerpoint/2010/main" val="1208833261"/>
+      </p:ext>
+    </p:extLst>
+  </p:cSld>
+  <p:clrMapOvr>
+    <a:masterClrMapping/>
+  </p:clrMapOvr>
+</p:sld>
+</file>
+
+<file path=ppt/slides/slide13.xml><?xml version="1.0" encoding="utf-8"?>
+<p:sld xmlns:a="http://schemas.openxmlformats.org/drawingml/2006/main" xmlns:r="http://schemas.openxmlformats.org/officeDocument/2006/relationships" xmlns:p="http://schemas.openxmlformats.org/presentationml/2006/main">
+  <p:cSld>
+    <p:spTree>
+      <p:nvGrpSpPr>
+        <p:cNvPr id="1" name=""/>
+        <p:cNvGrpSpPr/>
+        <p:nvPr/>
+      </p:nvGrpSpPr>
+      <p:grpSpPr>
+        <a:xfrm>
+          <a:off x="0" y="0"/>
+          <a:ext cx="0" cy="0"/>
+          <a:chOff x="0" y="0"/>
+          <a:chExt cx="0" cy="0"/>
+        </a:xfrm>
+      </p:grpSpPr>
+      <p:sp>
+        <p:nvSpPr>
+          <p:cNvPr id="2" name="Título 1">
+            <a:extLst>
+              <a:ext uri="{FF2B5EF4-FFF2-40B4-BE49-F238E27FC236}">
+                <a16:creationId xmlns:a16="http://schemas.microsoft.com/office/drawing/2014/main" id="{3603E3CA-1FC6-4D06-53A9-8993E3CD1AA2}"/>
+              </a:ext>
+            </a:extLst>
+          </p:cNvPr>
+          <p:cNvSpPr>
+            <a:spLocks noGrp="1"/>
+          </p:cNvSpPr>
+          <p:nvPr>
+            <p:ph type="title"/>
+          </p:nvPr>
+        </p:nvSpPr>
+        <p:spPr/>
+        <p:txBody>
+          <a:bodyPr/>
+          <a:lstStyle/>
+          <a:p>
+            <a:r>
+              <a:rPr lang="es-EC" dirty="0"/>
+              <a:t>Estructura de la aplicación web</a:t>
+            </a:r>
+          </a:p>
+        </p:txBody>
+      </p:sp>
+      <p:pic>
+        <p:nvPicPr>
+          <p:cNvPr id="5" name="Imagen 4">
+            <a:extLst>
+              <a:ext uri="{FF2B5EF4-FFF2-40B4-BE49-F238E27FC236}">
+                <a16:creationId xmlns:a16="http://schemas.microsoft.com/office/drawing/2014/main" id="{DFDECC4C-56D1-5BF7-E3F2-790D9EEFB1B8}"/>
+              </a:ext>
+            </a:extLst>
+          </p:cNvPr>
+          <p:cNvPicPr>
+            <a:picLocks noChangeAspect="1"/>
+          </p:cNvPicPr>
+          <p:nvPr/>
+        </p:nvPicPr>
+        <p:blipFill>
+          <a:blip r:embed="rId2"/>
+          <a:stretch>
+            <a:fillRect/>
+          </a:stretch>
+        </p:blipFill>
+        <p:spPr>
+          <a:xfrm>
+            <a:off x="664029" y="2214983"/>
+            <a:ext cx="10689771" cy="3274198"/>
+          </a:xfrm>
+          <a:prstGeom prst="rect">
+            <a:avLst/>
+          </a:prstGeom>
+        </p:spPr>
+      </p:pic>
+    </p:spTree>
+    <p:extLst>
+      <p:ext uri="{BB962C8B-B14F-4D97-AF65-F5344CB8AC3E}">
+        <p14:creationId xmlns:p14="http://schemas.microsoft.com/office/powerpoint/2010/main" val="2629901399"/>
+      </p:ext>
+    </p:extLst>
+  </p:cSld>
+  <p:clrMapOvr>
+    <a:masterClrMapping/>
+  </p:clrMapOvr>
+</p:sld>
+</file>
+
+<file path=ppt/slides/slide14.xml><?xml version="1.0" encoding="utf-8"?>
+<p:sld xmlns:a="http://schemas.openxmlformats.org/drawingml/2006/main" xmlns:r="http://schemas.openxmlformats.org/officeDocument/2006/relationships" xmlns:p="http://schemas.openxmlformats.org/presentationml/2006/main">
+  <p:cSld>
+    <p:spTree>
+      <p:nvGrpSpPr>
+        <p:cNvPr id="1" name=""/>
+        <p:cNvGrpSpPr/>
+        <p:nvPr/>
+      </p:nvGrpSpPr>
+      <p:grpSpPr>
+        <a:xfrm>
+          <a:off x="0" y="0"/>
+          <a:ext cx="0" cy="0"/>
+          <a:chOff x="0" y="0"/>
+          <a:chExt cx="0" cy="0"/>
+        </a:xfrm>
+      </p:grpSpPr>
+      <p:pic>
+        <p:nvPicPr>
+          <p:cNvPr id="5" name="Imagen 4">
+            <a:extLst>
+              <a:ext uri="{FF2B5EF4-FFF2-40B4-BE49-F238E27FC236}">
+                <a16:creationId xmlns:a16="http://schemas.microsoft.com/office/drawing/2014/main" id="{20C5A5AB-6598-3403-BE1B-027C95563DB8}"/>
+              </a:ext>
+            </a:extLst>
+          </p:cNvPr>
+          <p:cNvPicPr>
+            <a:picLocks noChangeAspect="1"/>
+          </p:cNvPicPr>
+          <p:nvPr/>
+        </p:nvPicPr>
+        <p:blipFill>
+          <a:blip r:embed="rId2"/>
+          <a:stretch>
+            <a:fillRect/>
+          </a:stretch>
+        </p:blipFill>
+        <p:spPr>
+          <a:xfrm>
+            <a:off x="2191724" y="174171"/>
+            <a:ext cx="7115739" cy="4321629"/>
+          </a:xfrm>
+          <a:prstGeom prst="rect">
+            <a:avLst/>
+          </a:prstGeom>
+        </p:spPr>
+      </p:pic>
+      <p:pic>
+        <p:nvPicPr>
+          <p:cNvPr id="7" name="Imagen 6">
+            <a:extLst>
+              <a:ext uri="{FF2B5EF4-FFF2-40B4-BE49-F238E27FC236}">
+                <a16:creationId xmlns:a16="http://schemas.microsoft.com/office/drawing/2014/main" id="{C8E2DD23-4366-6F6F-8CBA-F0897F7B7843}"/>
+              </a:ext>
+            </a:extLst>
+          </p:cNvPr>
+          <p:cNvPicPr>
+            <a:picLocks noChangeAspect="1"/>
+          </p:cNvPicPr>
+          <p:nvPr/>
+        </p:nvPicPr>
+        <p:blipFill>
+          <a:blip r:embed="rId3"/>
+          <a:stretch>
+            <a:fillRect/>
+          </a:stretch>
+        </p:blipFill>
+        <p:spPr>
+          <a:xfrm>
+            <a:off x="2694404" y="4702629"/>
+            <a:ext cx="5944430" cy="1638529"/>
+          </a:xfrm>
+          <a:prstGeom prst="rect">
+            <a:avLst/>
+          </a:prstGeom>
+        </p:spPr>
+      </p:pic>
+    </p:spTree>
+    <p:extLst>
+      <p:ext uri="{BB962C8B-B14F-4D97-AF65-F5344CB8AC3E}">
+        <p14:creationId xmlns:p14="http://schemas.microsoft.com/office/powerpoint/2010/main" val="2991418033"/>
+      </p:ext>
+    </p:extLst>
+  </p:cSld>
+  <p:clrMapOvr>
+    <a:masterClrMapping/>
+  </p:clrMapOvr>
+</p:sld>
+</file>
+
+<file path=ppt/slides/slide15.xml><?xml version="1.0" encoding="utf-8"?>
+<p:sld xmlns:a="http://schemas.openxmlformats.org/drawingml/2006/main" xmlns:r="http://schemas.openxmlformats.org/officeDocument/2006/relationships" xmlns:p="http://schemas.openxmlformats.org/presentationml/2006/main">
+  <p:cSld>
+    <p:spTree>
+      <p:nvGrpSpPr>
+        <p:cNvPr id="1" name=""/>
+        <p:cNvGrpSpPr/>
+        <p:nvPr/>
+      </p:nvGrpSpPr>
+      <p:grpSpPr>
+        <a:xfrm>
+          <a:off x="0" y="0"/>
+          <a:ext cx="0" cy="0"/>
+          <a:chOff x="0" y="0"/>
+          <a:chExt cx="0" cy="0"/>
+        </a:xfrm>
+      </p:grpSpPr>
+      <p:sp>
+        <p:nvSpPr>
+          <p:cNvPr id="2" name="Título 1">
+            <a:extLst>
+              <a:ext uri="{FF2B5EF4-FFF2-40B4-BE49-F238E27FC236}">
                 <a16:creationId xmlns:a16="http://schemas.microsoft.com/office/drawing/2014/main" id="{68516FC9-B6BB-26C1-63E4-57B7261FE4C0}"/>
               </a:ext>
             </a:extLst>
@@ -3900,7 +4351,7 @@
 </p:sld>
 </file>
 
-<file path=ppt/slides/slide12.xml><?xml version="1.0" encoding="utf-8"?>
+<file path=ppt/slides/slide16.xml><?xml version="1.0" encoding="utf-8"?>
 <p:sld xmlns:a="http://schemas.openxmlformats.org/drawingml/2006/main" xmlns:r="http://schemas.openxmlformats.org/officeDocument/2006/relationships" xmlns:p="http://schemas.openxmlformats.org/presentationml/2006/main">
   <p:cSld>
     <p:spTree>
@@ -4137,7 +4588,7 @@
 </p:sld>
 </file>
 
-<file path=ppt/slides/slide13.xml><?xml version="1.0" encoding="utf-8"?>
+<file path=ppt/slides/slide17.xml><?xml version="1.0" encoding="utf-8"?>
 <p:sld xmlns:a="http://schemas.openxmlformats.org/drawingml/2006/main" xmlns:r="http://schemas.openxmlformats.org/officeDocument/2006/relationships" xmlns:p="http://schemas.openxmlformats.org/presentationml/2006/main">
   <p:cSld>
     <p:spTree>
@@ -4230,7 +4681,7 @@
 </p:sld>
 </file>
 
-<file path=ppt/slides/slide14.xml><?xml version="1.0" encoding="utf-8"?>
+<file path=ppt/slides/slide18.xml><?xml version="1.0" encoding="utf-8"?>
 <p:sld xmlns:a="http://schemas.openxmlformats.org/drawingml/2006/main" xmlns:r="http://schemas.openxmlformats.org/officeDocument/2006/relationships" xmlns:p="http://schemas.openxmlformats.org/presentationml/2006/main">
   <p:cSld>
     <p:spTree>

--- a/Final.pptx
+++ b/Final.pptx
@@ -4640,10 +4640,10 @@
       </p:sp>
       <p:pic>
         <p:nvPicPr>
-          <p:cNvPr id="8" name="Imagen 7">
-            <a:extLst>
-              <a:ext uri="{FF2B5EF4-FFF2-40B4-BE49-F238E27FC236}">
-                <a16:creationId xmlns:a16="http://schemas.microsoft.com/office/drawing/2014/main" id="{7C302DBF-4DCD-7DC9-8F2B-463854C09BE7}"/>
+          <p:cNvPr id="4" name="Imagen 3">
+            <a:extLst>
+              <a:ext uri="{FF2B5EF4-FFF2-40B4-BE49-F238E27FC236}">
+                <a16:creationId xmlns:a16="http://schemas.microsoft.com/office/drawing/2014/main" id="{CD3FF314-D5A0-61B7-232A-DEFA1C14D8DF}"/>
               </a:ext>
             </a:extLst>
           </p:cNvPr>
@@ -4660,8 +4660,8 @@
         </p:blipFill>
         <p:spPr>
           <a:xfrm>
-            <a:off x="1132114" y="1447799"/>
-            <a:ext cx="9779438" cy="5260037"/>
+            <a:off x="0" y="1464392"/>
+            <a:ext cx="12192000" cy="5393608"/>
           </a:xfrm>
           <a:prstGeom prst="rect">
             <a:avLst/>
